--- a/docs/esp32-s2_vs_esp32-s3_implementation.pptx
+++ b/docs/esp32-s2_vs_esp32-s3_implementation.pptx
@@ -104,6 +104,11 @@
       </a:defRPr>
     </a:lvl9pPr>
   </p:defaultTextStyle>
+  <p:extLst>
+    <p:ext uri="{EFAFB233-063F-42B5-8137-9DF3F51BA10A}">
+      <p15:sldGuideLst xmlns:p15="http://schemas.microsoft.com/office/powerpoint/2012/main"/>
+    </p:ext>
+  </p:extLst>
 </p:presentation>
 </file>
 
@@ -254,7 +259,7 @@
           <a:p>
             <a:fld id="{960394A9-35FA-47B3-8E5D-A6945661A6A3}" type="datetimeFigureOut">
               <a:rPr lang="en-GB" smtClean="0"/>
-              <a:t>09/07/2024</a:t>
+              <a:t>10/07/2024</a:t>
             </a:fld>
             <a:endParaRPr lang="en-GB"/>
           </a:p>
@@ -452,7 +457,7 @@
           <a:p>
             <a:fld id="{960394A9-35FA-47B3-8E5D-A6945661A6A3}" type="datetimeFigureOut">
               <a:rPr lang="en-GB" smtClean="0"/>
-              <a:t>09/07/2024</a:t>
+              <a:t>10/07/2024</a:t>
             </a:fld>
             <a:endParaRPr lang="en-GB"/>
           </a:p>
@@ -660,7 +665,7 @@
           <a:p>
             <a:fld id="{960394A9-35FA-47B3-8E5D-A6945661A6A3}" type="datetimeFigureOut">
               <a:rPr lang="en-GB" smtClean="0"/>
-              <a:t>09/07/2024</a:t>
+              <a:t>10/07/2024</a:t>
             </a:fld>
             <a:endParaRPr lang="en-GB"/>
           </a:p>
@@ -858,7 +863,7 @@
           <a:p>
             <a:fld id="{960394A9-35FA-47B3-8E5D-A6945661A6A3}" type="datetimeFigureOut">
               <a:rPr lang="en-GB" smtClean="0"/>
-              <a:t>09/07/2024</a:t>
+              <a:t>10/07/2024</a:t>
             </a:fld>
             <a:endParaRPr lang="en-GB"/>
           </a:p>
@@ -1133,7 +1138,7 @@
           <a:p>
             <a:fld id="{960394A9-35FA-47B3-8E5D-A6945661A6A3}" type="datetimeFigureOut">
               <a:rPr lang="en-GB" smtClean="0"/>
-              <a:t>09/07/2024</a:t>
+              <a:t>10/07/2024</a:t>
             </a:fld>
             <a:endParaRPr lang="en-GB"/>
           </a:p>
@@ -1398,7 +1403,7 @@
           <a:p>
             <a:fld id="{960394A9-35FA-47B3-8E5D-A6945661A6A3}" type="datetimeFigureOut">
               <a:rPr lang="en-GB" smtClean="0"/>
-              <a:t>09/07/2024</a:t>
+              <a:t>10/07/2024</a:t>
             </a:fld>
             <a:endParaRPr lang="en-GB"/>
           </a:p>
@@ -1810,7 +1815,7 @@
           <a:p>
             <a:fld id="{960394A9-35FA-47B3-8E5D-A6945661A6A3}" type="datetimeFigureOut">
               <a:rPr lang="en-GB" smtClean="0"/>
-              <a:t>09/07/2024</a:t>
+              <a:t>10/07/2024</a:t>
             </a:fld>
             <a:endParaRPr lang="en-GB"/>
           </a:p>
@@ -1951,7 +1956,7 @@
           <a:p>
             <a:fld id="{960394A9-35FA-47B3-8E5D-A6945661A6A3}" type="datetimeFigureOut">
               <a:rPr lang="en-GB" smtClean="0"/>
-              <a:t>09/07/2024</a:t>
+              <a:t>10/07/2024</a:t>
             </a:fld>
             <a:endParaRPr lang="en-GB"/>
           </a:p>
@@ -2064,7 +2069,7 @@
           <a:p>
             <a:fld id="{960394A9-35FA-47B3-8E5D-A6945661A6A3}" type="datetimeFigureOut">
               <a:rPr lang="en-GB" smtClean="0"/>
-              <a:t>09/07/2024</a:t>
+              <a:t>10/07/2024</a:t>
             </a:fld>
             <a:endParaRPr lang="en-GB"/>
           </a:p>
@@ -2375,7 +2380,7 @@
           <a:p>
             <a:fld id="{960394A9-35FA-47B3-8E5D-A6945661A6A3}" type="datetimeFigureOut">
               <a:rPr lang="en-GB" smtClean="0"/>
-              <a:t>09/07/2024</a:t>
+              <a:t>10/07/2024</a:t>
             </a:fld>
             <a:endParaRPr lang="en-GB"/>
           </a:p>
@@ -2663,7 +2668,7 @@
           <a:p>
             <a:fld id="{960394A9-35FA-47B3-8E5D-A6945661A6A3}" type="datetimeFigureOut">
               <a:rPr lang="en-GB" smtClean="0"/>
-              <a:t>09/07/2024</a:t>
+              <a:t>10/07/2024</a:t>
             </a:fld>
             <a:endParaRPr lang="en-GB"/>
           </a:p>
@@ -2904,7 +2909,7 @@
           <a:p>
             <a:fld id="{960394A9-35FA-47B3-8E5D-A6945661A6A3}" type="datetimeFigureOut">
               <a:rPr lang="en-GB" smtClean="0"/>
-              <a:t>09/07/2024</a:t>
+              <a:t>10/07/2024</a:t>
             </a:fld>
             <a:endParaRPr lang="en-GB"/>
           </a:p>
@@ -3715,7 +3720,7 @@
         <p:spPr>
           <a:xfrm>
             <a:off x="1443659" y="805342"/>
-            <a:ext cx="5126724" cy="769441"/>
+            <a:ext cx="5609228" cy="769441"/>
           </a:xfrm>
           <a:prstGeom prst="rect">
             <a:avLst/>
@@ -3764,7 +3769,7 @@
             </a:pPr>
             <a:r>
               <a:rPr lang="en-GB" sz="1100" dirty="0"/>
-              <a:t>Not enough memory on ESP32-S2 for separate GCLK and colour data buffers.</a:t>
+              <a:t>Not enough memory on ESP32-S2 for separate GCLK (PWM output) and colour data buffers.</a:t>
             </a:r>
           </a:p>
         </p:txBody>
@@ -3823,7 +3828,7 @@
         </p:nvSpPr>
         <p:spPr>
           <a:xfrm>
-            <a:off x="2813173" y="4571964"/>
+            <a:off x="2813173" y="4462551"/>
             <a:ext cx="2771192" cy="662473"/>
           </a:xfrm>
           <a:prstGeom prst="rect">
@@ -3877,7 +3882,7 @@
         </p:nvSpPr>
         <p:spPr>
           <a:xfrm>
-            <a:off x="1998360" y="4499313"/>
+            <a:off x="1998360" y="4389900"/>
             <a:ext cx="361696" cy="985536"/>
           </a:xfrm>
           <a:prstGeom prst="leftBrace">
@@ -3926,7 +3931,7 @@
         </p:nvSpPr>
         <p:spPr>
           <a:xfrm rot="16200000">
-            <a:off x="1086539" y="4749453"/>
+            <a:off x="1086539" y="4640040"/>
             <a:ext cx="1215397" cy="430887"/>
           </a:xfrm>
           <a:prstGeom prst="rect">
@@ -4012,7 +4017,7 @@
         <p:spPr>
           <a:xfrm>
             <a:off x="1464388" y="3432102"/>
-            <a:ext cx="6110287" cy="938719"/>
+            <a:ext cx="6199595" cy="769441"/>
           </a:xfrm>
           <a:prstGeom prst="rect">
             <a:avLst/>
@@ -4041,7 +4046,7 @@
             </a:pPr>
             <a:r>
               <a:rPr lang="en-GB" sz="1100" dirty="0"/>
-              <a:t>Next frame’s pixel data is sent once as required using the LCD interface.</a:t>
+              <a:t>Next frame’s pixel data is sent ‘in the background’ as required using the LCD interface.</a:t>
             </a:r>
           </a:p>
           <a:p>
@@ -4051,7 +4056,7 @@
             </a:pPr>
             <a:r>
               <a:rPr lang="en-GB" sz="1100" dirty="0"/>
-              <a:t>Upon call of mbi_update(), GCLK (SPI2 peripheral) is temporary paused, whilst VSYNC is sent out via LCD interface.</a:t>
+              <a:t>Upon call of mbi_update(), GCLK (PWM output) is paused whilst VSYNC (sent via LCD interface) occurs.</a:t>
             </a:r>
           </a:p>
           <a:p>
@@ -4061,7 +4066,7 @@
             </a:pPr>
             <a:r>
               <a:rPr lang="en-GB" sz="1100" dirty="0"/>
-              <a:t>GCLK then restarts with LED panel/screen showing output.</a:t>
+              <a:t>GCLK is restarted with new display output shown immediately. This occurs in &lt; 1 millisecond.</a:t>
             </a:r>
           </a:p>
         </p:txBody>
@@ -4080,7 +4085,7 @@
         </p:nvSpPr>
         <p:spPr>
           <a:xfrm>
-            <a:off x="2813173" y="5804260"/>
+            <a:off x="2813173" y="5694847"/>
             <a:ext cx="2771192" cy="662473"/>
           </a:xfrm>
           <a:prstGeom prst="rect">
@@ -4134,7 +4139,7 @@
         </p:nvSpPr>
         <p:spPr>
           <a:xfrm>
-            <a:off x="1998360" y="5740400"/>
+            <a:off x="1998360" y="5630987"/>
             <a:ext cx="361696" cy="786325"/>
           </a:xfrm>
           <a:prstGeom prst="leftBrace">
@@ -4183,7 +4188,7 @@
         </p:nvSpPr>
         <p:spPr>
           <a:xfrm rot="16200000">
-            <a:off x="1177109" y="5918118"/>
+            <a:off x="1177109" y="5808705"/>
             <a:ext cx="1034257" cy="430887"/>
           </a:xfrm>
           <a:prstGeom prst="rect">
@@ -4230,7 +4235,7 @@
         </p:nvCxnSpPr>
         <p:spPr>
           <a:xfrm flipH="1">
-            <a:off x="2813173" y="4903201"/>
+            <a:off x="2813173" y="4793788"/>
             <a:ext cx="2771192" cy="12700"/>
           </a:xfrm>
           <a:prstGeom prst="bentConnector5">
@@ -4273,7 +4278,7 @@
         </p:nvSpPr>
         <p:spPr>
           <a:xfrm>
-            <a:off x="6030685" y="5351108"/>
+            <a:off x="6030685" y="5241695"/>
             <a:ext cx="830053" cy="1106100"/>
           </a:xfrm>
           <a:prstGeom prst="rect">
@@ -4330,7 +4335,7 @@
         </p:nvCxnSpPr>
         <p:spPr>
           <a:xfrm>
-            <a:off x="5584365" y="6135497"/>
+            <a:off x="5584365" y="6026084"/>
             <a:ext cx="453117" cy="0"/>
           </a:xfrm>
           <a:prstGeom prst="straightConnector1">
